--- a/191025 - NETFest @Kyiv/Provisioning Azure PaaS fluently with Management Libraries and C#.pptx
+++ b/191025 - NETFest @Kyiv/Provisioning Azure PaaS fluently with Management Libraries and C#.pptx
@@ -268,7 +268,7 @@
       <p15:sldGuideLst xmlns:p15="http://schemas.microsoft.com/office/powerpoint/2012/main"/>
     </p:ext>
     <p:ext uri="http://customooxmlschemas.google.com/">
-      <go:slidesCustomData xmlns:go="http://customooxmlschemas.google.com/" xmlns:p15="http://schemas.microsoft.com/office/powerpoint/2012/main" xmlns:p14="http://schemas.microsoft.com/office/powerpoint/2010/main" xmlns:com="http://schemas.openxmlformats.org/drawingml/2006/compatibility" xmlns:pvml="urn:schemas-microsoft-com:office:powerpoint" xmlns:v="urn:schemas-microsoft-com:vml" xmlns:o="urn:schemas-microsoft-com:office:office" xmlns:dgm="http://schemas.openxmlformats.org/drawingml/2006/diagram" xmlns:c="http://schemas.openxmlformats.org/drawingml/2006/chart" xmlns:mv="urn:schemas-microsoft-com:mac:vml" xmlns:mc="http://schemas.openxmlformats.org/markup-compatibility/2006" xmlns="" r:id="rId30" roundtripDataSignature="AMtx7miKpTSjtseuKdrPLKRxyI8JLPryXw=="/>
+      <go:slidesCustomData xmlns="" xmlns:mc="http://schemas.openxmlformats.org/markup-compatibility/2006" xmlns:mv="urn:schemas-microsoft-com:mac:vml" xmlns:c="http://schemas.openxmlformats.org/drawingml/2006/chart" xmlns:dgm="http://schemas.openxmlformats.org/drawingml/2006/diagram" xmlns:o="urn:schemas-microsoft-com:office:office" xmlns:v="urn:schemas-microsoft-com:vml" xmlns:pvml="urn:schemas-microsoft-com:office:powerpoint" xmlns:com="http://schemas.openxmlformats.org/drawingml/2006/compatibility" xmlns:p14="http://schemas.microsoft.com/office/powerpoint/2010/main" xmlns:p15="http://schemas.microsoft.com/office/powerpoint/2012/main" xmlns:go="http://customooxmlschemas.google.com/" r:id="rId30" roundtripDataSignature="AMtx7miKpTSjtseuKdrPLKRxyI8JLPryXw=="/>
     </p:ext>
   </p:extLst>
 </p:presentation>
@@ -13590,7 +13590,7 @@
         <p:spPr>
           <a:xfrm>
             <a:off x="4437132" y="3935321"/>
-            <a:ext cx="744114" cy="307777"/>
+            <a:ext cx="1200970" cy="307777"/>
           </a:xfrm>
           <a:prstGeom prst="rect">
             <a:avLst/>
@@ -13610,7 +13610,7 @@
                 </a:solidFill>
                 <a:latin typeface="Tw Cen MT" panose="020B0602020104020603" pitchFamily="34" charset="0"/>
               </a:rPr>
-              <a:t>05 DNS</a:t>
+              <a:t>05 DNS &amp; SSL</a:t>
             </a:r>
             <a:endParaRPr lang="en-US" b="1" dirty="0">
               <a:solidFill>
@@ -13636,7 +13636,7 @@
         <p:spPr>
           <a:xfrm>
             <a:off x="4437131" y="4155323"/>
-            <a:ext cx="1503031" cy="523220"/>
+            <a:ext cx="1580428" cy="523220"/>
           </a:xfrm>
           <a:prstGeom prst="rect">
             <a:avLst/>
@@ -13656,7 +13656,7 @@
                 </a:solidFill>
                 <a:latin typeface="Tw Cen MT" panose="020B0602020104020603" pitchFamily="34" charset="0"/>
               </a:rPr>
-              <a:t>We map a custom DNS name</a:t>
+              <a:t>We map a custom DNS name with SSL</a:t>
             </a:r>
             <a:endParaRPr lang="en-US" dirty="0">
               <a:solidFill>
